--- a/Pitch/Praktik E23 - Statistisk Risikovurdering.pptx
+++ b/Pitch/Praktik E23 - Statistisk Risikovurdering.pptx
@@ -3038,7 +3038,7 @@
                   <a:schemeClr val="accent1"/>
                 </a:solidFill>
               </a:rPr>
-              <a:t>08-03-2023</a:t>
+              <a:t>22.03.2023</a:t>
             </a:fld>
             <a:endParaRPr lang="da-DK" sz="800" dirty="0">
               <a:solidFill>
@@ -3120,7 +3120,7 @@
                   <a:schemeClr val="accent1"/>
                 </a:solidFill>
               </a:rPr>
-              <a:t>‹nr.›</a:t>
+              <a:t>‹#›</a:t>
             </a:fld>
             <a:endParaRPr lang="da-DK" sz="1200">
               <a:solidFill>
@@ -3236,7 +3236,7 @@
             <a:fld id="{E0DF3390-761A-4FDC-BA3A-9CF676B82A14}" type="datetimeFigureOut">
               <a:rPr lang="en-US" smtClean="0"/>
               <a:pPr/>
-              <a:t>3/8/2023</a:t>
+              <a:t>3/22/23</a:t>
             </a:fld>
             <a:endParaRPr lang="en-US" dirty="0"/>
           </a:p>
@@ -3408,7 +3408,7 @@
             <a:fld id="{CA4D1251-08EB-4C47-AB06-FBA54C2E1AEF}" type="slidenum">
               <a:rPr lang="en-US" smtClean="0"/>
               <a:pPr/>
-              <a:t>‹nr.›</a:t>
+              <a:t>‹#›</a:t>
             </a:fld>
             <a:endParaRPr lang="en-US" dirty="0"/>
           </a:p>
@@ -4425,7 +4425,7 @@
             <a:fld id="{4803DD7B-12C8-43B8-9F45-989336E79744}" type="slidenum">
               <a:rPr lang="en-US" smtClean="0"/>
               <a:pPr/>
-              <a:t>‹nr.›</a:t>
+              <a:t>‹#›</a:t>
             </a:fld>
             <a:endParaRPr lang="en-US" dirty="0"/>
           </a:p>
@@ -5007,7 +5007,7 @@
             <a:fld id="{4803DD7B-12C8-43B8-9F45-989336E79744}" type="slidenum">
               <a:rPr lang="en-US" smtClean="0"/>
               <a:pPr/>
-              <a:t>‹nr.›</a:t>
+              <a:t>‹#›</a:t>
             </a:fld>
             <a:endParaRPr lang="en-US" dirty="0"/>
           </a:p>
@@ -5640,7 +5640,7 @@
             <a:fld id="{4803DD7B-12C8-43B8-9F45-989336E79744}" type="slidenum">
               <a:rPr lang="en-US" smtClean="0"/>
               <a:pPr/>
-              <a:t>‹nr.›</a:t>
+              <a:t>‹#›</a:t>
             </a:fld>
             <a:endParaRPr lang="en-US" dirty="0"/>
           </a:p>
@@ -6306,7 +6306,7 @@
             <a:fld id="{4803DD7B-12C8-43B8-9F45-989336E79744}" type="slidenum">
               <a:rPr lang="en-US" smtClean="0"/>
               <a:pPr/>
-              <a:t>‹nr.›</a:t>
+              <a:t>‹#›</a:t>
             </a:fld>
             <a:endParaRPr lang="en-US" dirty="0"/>
           </a:p>
@@ -6996,7 +6996,7 @@
             <a:fld id="{4803DD7B-12C8-43B8-9F45-989336E79744}" type="slidenum">
               <a:rPr lang="en-US" smtClean="0"/>
               <a:pPr/>
-              <a:t>‹nr.›</a:t>
+              <a:t>‹#›</a:t>
             </a:fld>
             <a:endParaRPr lang="en-US" dirty="0"/>
           </a:p>
@@ -7348,7 +7348,7 @@
             <a:fld id="{4803DD7B-12C8-43B8-9F45-989336E79744}" type="slidenum">
               <a:rPr lang="en-US" smtClean="0"/>
               <a:pPr/>
-              <a:t>‹nr.›</a:t>
+              <a:t>‹#›</a:t>
             </a:fld>
             <a:endParaRPr lang="en-US" dirty="0"/>
           </a:p>
@@ -7791,7 +7791,7 @@
             <a:fld id="{4803DD7B-12C8-43B8-9F45-989336E79744}" type="slidenum">
               <a:rPr lang="en-US" smtClean="0"/>
               <a:pPr/>
-              <a:t>‹nr.›</a:t>
+              <a:t>‹#›</a:t>
             </a:fld>
             <a:endParaRPr lang="en-US" dirty="0"/>
           </a:p>
@@ -8320,7 +8320,7 @@
             <a:fld id="{4803DD7B-12C8-43B8-9F45-989336E79744}" type="slidenum">
               <a:rPr lang="en-US" smtClean="0"/>
               <a:pPr/>
-              <a:t>‹nr.›</a:t>
+              <a:t>‹#›</a:t>
             </a:fld>
             <a:endParaRPr lang="en-US" dirty="0"/>
           </a:p>
@@ -8760,7 +8760,7 @@
             <a:fld id="{4803DD7B-12C8-43B8-9F45-989336E79744}" type="slidenum">
               <a:rPr lang="en-US" smtClean="0"/>
               <a:pPr/>
-              <a:t>‹nr.›</a:t>
+              <a:t>‹#›</a:t>
             </a:fld>
             <a:endParaRPr lang="en-US" dirty="0"/>
           </a:p>
@@ -9335,7 +9335,7 @@
             <a:fld id="{4803DD7B-12C8-43B8-9F45-989336E79744}" type="slidenum">
               <a:rPr lang="en-US" smtClean="0"/>
               <a:pPr/>
-              <a:t>‹nr.›</a:t>
+              <a:t>‹#›</a:t>
             </a:fld>
             <a:endParaRPr lang="en-US" dirty="0"/>
           </a:p>
@@ -10140,7 +10140,7 @@
             <a:fld id="{4803DD7B-12C8-43B8-9F45-989336E79744}" type="slidenum">
               <a:rPr lang="en-US" smtClean="0"/>
               <a:pPr/>
-              <a:t>‹nr.›</a:t>
+              <a:t>‹#›</a:t>
             </a:fld>
             <a:endParaRPr lang="en-US" dirty="0"/>
           </a:p>
@@ -11066,7 +11066,7 @@
             <a:fld id="{4803DD7B-12C8-43B8-9F45-989336E79744}" type="slidenum">
               <a:rPr lang="en-US" smtClean="0"/>
               <a:pPr/>
-              <a:t>‹nr.›</a:t>
+              <a:t>‹#›</a:t>
             </a:fld>
             <a:endParaRPr lang="en-US" dirty="0"/>
           </a:p>
@@ -11714,7 +11714,7 @@
             <a:fld id="{4803DD7B-12C8-43B8-9F45-989336E79744}" type="slidenum">
               <a:rPr lang="en-US" smtClean="0"/>
               <a:pPr/>
-              <a:t>‹nr.›</a:t>
+              <a:t>‹#›</a:t>
             </a:fld>
             <a:endParaRPr lang="en-US" dirty="0"/>
           </a:p>
@@ -11927,7 +11927,7 @@
             <a:fld id="{4803DD7B-12C8-43B8-9F45-989336E79744}" type="slidenum">
               <a:rPr lang="en-US" smtClean="0"/>
               <a:pPr/>
-              <a:t>‹nr.›</a:t>
+              <a:t>‹#›</a:t>
             </a:fld>
             <a:endParaRPr lang="en-US" dirty="0"/>
           </a:p>
@@ -12441,7 +12441,7 @@
             <a:fld id="{4803DD7B-12C8-43B8-9F45-989336E79744}" type="slidenum">
               <a:rPr lang="en-US" smtClean="0"/>
               <a:pPr/>
-              <a:t>‹nr.›</a:t>
+              <a:t>‹#›</a:t>
             </a:fld>
             <a:endParaRPr lang="en-US" dirty="0"/>
           </a:p>
@@ -13178,7 +13178,7 @@
             <a:fld id="{4803DD7B-12C8-43B8-9F45-989336E79744}" type="slidenum">
               <a:rPr lang="en-US" smtClean="0"/>
               <a:pPr/>
-              <a:t>‹nr.›</a:t>
+              <a:t>‹#›</a:t>
             </a:fld>
             <a:endParaRPr lang="en-US" dirty="0"/>
           </a:p>
@@ -13412,7 +13412,7 @@
             <a:fld id="{4803DD7B-12C8-43B8-9F45-989336E79744}" type="slidenum">
               <a:rPr lang="en-US" smtClean="0"/>
               <a:pPr/>
-              <a:t>‹nr.›</a:t>
+              <a:t>‹#›</a:t>
             </a:fld>
             <a:endParaRPr lang="en-US" dirty="0"/>
           </a:p>
@@ -14067,7 +14067,7 @@
             <a:fld id="{4803DD7B-12C8-43B8-9F45-989336E79744}" type="slidenum">
               <a:rPr lang="en-US" smtClean="0"/>
               <a:pPr/>
-              <a:t>‹nr.›</a:t>
+              <a:t>‹#›</a:t>
             </a:fld>
             <a:endParaRPr lang="en-US" dirty="0"/>
           </a:p>
@@ -14823,7 +14823,7 @@
             <a:fld id="{4803DD7B-12C8-43B8-9F45-989336E79744}" type="slidenum">
               <a:rPr lang="en-US" smtClean="0"/>
               <a:pPr/>
-              <a:t>‹nr.›</a:t>
+              <a:t>‹#›</a:t>
             </a:fld>
             <a:endParaRPr lang="en-US" dirty="0"/>
           </a:p>
@@ -15912,7 +15912,7 @@
             <a:fld id="{4803DD7B-12C8-43B8-9F45-989336E79744}" type="slidenum">
               <a:rPr lang="en-US" smtClean="0"/>
               <a:pPr/>
-              <a:t>‹nr.›</a:t>
+              <a:t>‹#›</a:t>
             </a:fld>
             <a:endParaRPr lang="en-US" dirty="0"/>
           </a:p>
@@ -16221,7 +16221,7 @@
             <a:fld id="{4803DD7B-12C8-43B8-9F45-989336E79744}" type="slidenum">
               <a:rPr lang="en-US" smtClean="0"/>
               <a:pPr/>
-              <a:t>‹nr.›</a:t>
+              <a:t>‹#›</a:t>
             </a:fld>
             <a:endParaRPr lang="en-US" dirty="0"/>
           </a:p>
@@ -16408,7 +16408,7 @@
             <a:fld id="{4803DD7B-12C8-43B8-9F45-989336E79744}" type="slidenum">
               <a:rPr lang="en-US" smtClean="0"/>
               <a:pPr/>
-              <a:t>‹nr.›</a:t>
+              <a:t>‹#›</a:t>
             </a:fld>
             <a:endParaRPr lang="en-US" dirty="0"/>
           </a:p>
@@ -16731,7 +16731,7 @@
             <a:fld id="{4803DD7B-12C8-43B8-9F45-989336E79744}" type="slidenum">
               <a:rPr lang="en-US" smtClean="0"/>
               <a:pPr/>
-              <a:t>‹nr.›</a:t>
+              <a:t>‹#›</a:t>
             </a:fld>
             <a:endParaRPr lang="en-US" dirty="0"/>
           </a:p>
@@ -20753,17 +20753,24 @@
             </a:r>
           </a:p>
           <a:p>
+            <a:r>
+              <a:rPr lang="en-US" dirty="0"/>
+              <a:t>PLS-SEM</a:t>
+            </a:r>
+          </a:p>
+          <a:p>
             <a:pPr lvl="1"/>
             <a:r>
               <a:rPr lang="en-US" sz="1600" dirty="0"/>
-              <a:t>Performs Generalized Hyperparameter Optimization for later use.</a:t>
-            </a:r>
-          </a:p>
-          <a:p>
-            <a:r>
-              <a:rPr lang="en-US" dirty="0"/>
+              <a:t>...</a:t>
+            </a:r>
+          </a:p>
+          <a:p>
+            <a:r>
+              <a:rPr lang="en-US" dirty="0" err="1"/>
               <a:t>AutoML</a:t>
             </a:r>
+            <a:endParaRPr lang="en-US" dirty="0"/>
           </a:p>
           <a:p>
             <a:pPr lvl="1"/>
@@ -20771,18 +20778,6 @@
               <a:rPr lang="en-US" sz="1600" dirty="0"/>
               <a:t>Blackbox ML allows ELCON to continue using the methods developed without expert knowledge of statistics and ML.</a:t>
             </a:r>
-          </a:p>
-          <a:p>
-            <a:pPr lvl="1"/>
-            <a:r>
-              <a:rPr lang="en-US" sz="1600" dirty="0"/>
-              <a:t>Uses Optimized Hyperparameters from RF.</a:t>
-            </a:r>
-          </a:p>
-          <a:p>
-            <a:pPr marL="0" indent="-1587">
-              <a:buNone/>
-            </a:pPr>
             <a:endParaRPr lang="en-US" sz="1400" dirty="0"/>
           </a:p>
           <a:p>

--- a/Pitch/Praktik E23 - Statistisk Risikovurdering.pptx
+++ b/Pitch/Praktik E23 - Statistisk Risikovurdering.pptx
@@ -142,7 +142,7 @@
   <pc:docChgLst>
     <pc:chgData name="Tobias Brammer" userId="80a1e1bd-3b82-47a5-b259-da62a397db92" providerId="ADAL" clId="{1E3A7C41-47CF-4BFD-8C66-533AAAACACA8}"/>
     <pc:docChg chg="undo custSel addSld delSld modSld sldOrd modMainMaster modSection replTag modNotesMaster modHandout">
-      <pc:chgData name="Tobias Brammer" userId="80a1e1bd-3b82-47a5-b259-da62a397db92" providerId="ADAL" clId="{1E3A7C41-47CF-4BFD-8C66-533AAAACACA8}" dt="2023-03-08T19:10:51.803" v="10575" actId="1076"/>
+      <pc:chgData name="Tobias Brammer" userId="80a1e1bd-3b82-47a5-b259-da62a397db92" providerId="ADAL" clId="{1E3A7C41-47CF-4BFD-8C66-533AAAACACA8}" dt="2023-03-30T05:58:54.259" v="10631" actId="20577"/>
       <pc:docMkLst>
         <pc:docMk/>
       </pc:docMkLst>
@@ -533,7 +533,7 @@
         </pc:graphicFrameChg>
       </pc:sldChg>
       <pc:sldChg chg="addSp delSp modSp add mod ord">
-        <pc:chgData name="Tobias Brammer" userId="80a1e1bd-3b82-47a5-b259-da62a397db92" providerId="ADAL" clId="{1E3A7C41-47CF-4BFD-8C66-533AAAACACA8}" dt="2023-03-08T19:00:49.497" v="10374" actId="20577"/>
+        <pc:chgData name="Tobias Brammer" userId="80a1e1bd-3b82-47a5-b259-da62a397db92" providerId="ADAL" clId="{1E3A7C41-47CF-4BFD-8C66-533AAAACACA8}" dt="2023-03-30T05:58:54.259" v="10631" actId="20577"/>
         <pc:sldMkLst>
           <pc:docMk/>
           <pc:sldMk cId="2492524537" sldId="309"/>
@@ -571,7 +571,7 @@
           </ac:spMkLst>
         </pc:spChg>
         <pc:spChg chg="mod">
-          <ac:chgData name="Tobias Brammer" userId="80a1e1bd-3b82-47a5-b259-da62a397db92" providerId="ADAL" clId="{1E3A7C41-47CF-4BFD-8C66-533AAAACACA8}" dt="2023-03-08T18:59:57.270" v="10335" actId="20577"/>
+          <ac:chgData name="Tobias Brammer" userId="80a1e1bd-3b82-47a5-b259-da62a397db92" providerId="ADAL" clId="{1E3A7C41-47CF-4BFD-8C66-533AAAACACA8}" dt="2023-03-30T05:58:54.259" v="10631" actId="20577"/>
           <ac:spMkLst>
             <pc:docMk/>
             <pc:sldMk cId="2492524537" sldId="309"/>
@@ -3038,7 +3038,7 @@
                   <a:schemeClr val="accent1"/>
                 </a:solidFill>
               </a:rPr>
-              <a:t>22.03.2023</a:t>
+              <a:t>30-03-2023</a:t>
             </a:fld>
             <a:endParaRPr lang="da-DK" sz="800" dirty="0">
               <a:solidFill>
@@ -3120,7 +3120,7 @@
                   <a:schemeClr val="accent1"/>
                 </a:solidFill>
               </a:rPr>
-              <a:t>‹#›</a:t>
+              <a:t>‹nr.›</a:t>
             </a:fld>
             <a:endParaRPr lang="da-DK" sz="1200">
               <a:solidFill>
@@ -3236,7 +3236,7 @@
             <a:fld id="{E0DF3390-761A-4FDC-BA3A-9CF676B82A14}" type="datetimeFigureOut">
               <a:rPr lang="en-US" smtClean="0"/>
               <a:pPr/>
-              <a:t>3/22/23</a:t>
+              <a:t>3/30/2023</a:t>
             </a:fld>
             <a:endParaRPr lang="en-US" dirty="0"/>
           </a:p>
@@ -3408,7 +3408,7 @@
             <a:fld id="{CA4D1251-08EB-4C47-AB06-FBA54C2E1AEF}" type="slidenum">
               <a:rPr lang="en-US" smtClean="0"/>
               <a:pPr/>
-              <a:t>‹#›</a:t>
+              <a:t>‹nr.›</a:t>
             </a:fld>
             <a:endParaRPr lang="en-US" dirty="0"/>
           </a:p>
@@ -4425,7 +4425,7 @@
             <a:fld id="{4803DD7B-12C8-43B8-9F45-989336E79744}" type="slidenum">
               <a:rPr lang="en-US" smtClean="0"/>
               <a:pPr/>
-              <a:t>‹#›</a:t>
+              <a:t>‹nr.›</a:t>
             </a:fld>
             <a:endParaRPr lang="en-US" dirty="0"/>
           </a:p>
@@ -5007,7 +5007,7 @@
             <a:fld id="{4803DD7B-12C8-43B8-9F45-989336E79744}" type="slidenum">
               <a:rPr lang="en-US" smtClean="0"/>
               <a:pPr/>
-              <a:t>‹#›</a:t>
+              <a:t>‹nr.›</a:t>
             </a:fld>
             <a:endParaRPr lang="en-US" dirty="0"/>
           </a:p>
@@ -5640,7 +5640,7 @@
             <a:fld id="{4803DD7B-12C8-43B8-9F45-989336E79744}" type="slidenum">
               <a:rPr lang="en-US" smtClean="0"/>
               <a:pPr/>
-              <a:t>‹#›</a:t>
+              <a:t>‹nr.›</a:t>
             </a:fld>
             <a:endParaRPr lang="en-US" dirty="0"/>
           </a:p>
@@ -6306,7 +6306,7 @@
             <a:fld id="{4803DD7B-12C8-43B8-9F45-989336E79744}" type="slidenum">
               <a:rPr lang="en-US" smtClean="0"/>
               <a:pPr/>
-              <a:t>‹#›</a:t>
+              <a:t>‹nr.›</a:t>
             </a:fld>
             <a:endParaRPr lang="en-US" dirty="0"/>
           </a:p>
@@ -6996,7 +6996,7 @@
             <a:fld id="{4803DD7B-12C8-43B8-9F45-989336E79744}" type="slidenum">
               <a:rPr lang="en-US" smtClean="0"/>
               <a:pPr/>
-              <a:t>‹#›</a:t>
+              <a:t>‹nr.›</a:t>
             </a:fld>
             <a:endParaRPr lang="en-US" dirty="0"/>
           </a:p>
@@ -7348,7 +7348,7 @@
             <a:fld id="{4803DD7B-12C8-43B8-9F45-989336E79744}" type="slidenum">
               <a:rPr lang="en-US" smtClean="0"/>
               <a:pPr/>
-              <a:t>‹#›</a:t>
+              <a:t>‹nr.›</a:t>
             </a:fld>
             <a:endParaRPr lang="en-US" dirty="0"/>
           </a:p>
@@ -7791,7 +7791,7 @@
             <a:fld id="{4803DD7B-12C8-43B8-9F45-989336E79744}" type="slidenum">
               <a:rPr lang="en-US" smtClean="0"/>
               <a:pPr/>
-              <a:t>‹#›</a:t>
+              <a:t>‹nr.›</a:t>
             </a:fld>
             <a:endParaRPr lang="en-US" dirty="0"/>
           </a:p>
@@ -8320,7 +8320,7 @@
             <a:fld id="{4803DD7B-12C8-43B8-9F45-989336E79744}" type="slidenum">
               <a:rPr lang="en-US" smtClean="0"/>
               <a:pPr/>
-              <a:t>‹#›</a:t>
+              <a:t>‹nr.›</a:t>
             </a:fld>
             <a:endParaRPr lang="en-US" dirty="0"/>
           </a:p>
@@ -8760,7 +8760,7 @@
             <a:fld id="{4803DD7B-12C8-43B8-9F45-989336E79744}" type="slidenum">
               <a:rPr lang="en-US" smtClean="0"/>
               <a:pPr/>
-              <a:t>‹#›</a:t>
+              <a:t>‹nr.›</a:t>
             </a:fld>
             <a:endParaRPr lang="en-US" dirty="0"/>
           </a:p>
@@ -9335,7 +9335,7 @@
             <a:fld id="{4803DD7B-12C8-43B8-9F45-989336E79744}" type="slidenum">
               <a:rPr lang="en-US" smtClean="0"/>
               <a:pPr/>
-              <a:t>‹#›</a:t>
+              <a:t>‹nr.›</a:t>
             </a:fld>
             <a:endParaRPr lang="en-US" dirty="0"/>
           </a:p>
@@ -10140,7 +10140,7 @@
             <a:fld id="{4803DD7B-12C8-43B8-9F45-989336E79744}" type="slidenum">
               <a:rPr lang="en-US" smtClean="0"/>
               <a:pPr/>
-              <a:t>‹#›</a:t>
+              <a:t>‹nr.›</a:t>
             </a:fld>
             <a:endParaRPr lang="en-US" dirty="0"/>
           </a:p>
@@ -11066,7 +11066,7 @@
             <a:fld id="{4803DD7B-12C8-43B8-9F45-989336E79744}" type="slidenum">
               <a:rPr lang="en-US" smtClean="0"/>
               <a:pPr/>
-              <a:t>‹#›</a:t>
+              <a:t>‹nr.›</a:t>
             </a:fld>
             <a:endParaRPr lang="en-US" dirty="0"/>
           </a:p>
@@ -11714,7 +11714,7 @@
             <a:fld id="{4803DD7B-12C8-43B8-9F45-989336E79744}" type="slidenum">
               <a:rPr lang="en-US" smtClean="0"/>
               <a:pPr/>
-              <a:t>‹#›</a:t>
+              <a:t>‹nr.›</a:t>
             </a:fld>
             <a:endParaRPr lang="en-US" dirty="0"/>
           </a:p>
@@ -11927,7 +11927,7 @@
             <a:fld id="{4803DD7B-12C8-43B8-9F45-989336E79744}" type="slidenum">
               <a:rPr lang="en-US" smtClean="0"/>
               <a:pPr/>
-              <a:t>‹#›</a:t>
+              <a:t>‹nr.›</a:t>
             </a:fld>
             <a:endParaRPr lang="en-US" dirty="0"/>
           </a:p>
@@ -12441,7 +12441,7 @@
             <a:fld id="{4803DD7B-12C8-43B8-9F45-989336E79744}" type="slidenum">
               <a:rPr lang="en-US" smtClean="0"/>
               <a:pPr/>
-              <a:t>‹#›</a:t>
+              <a:t>‹nr.›</a:t>
             </a:fld>
             <a:endParaRPr lang="en-US" dirty="0"/>
           </a:p>
@@ -13178,7 +13178,7 @@
             <a:fld id="{4803DD7B-12C8-43B8-9F45-989336E79744}" type="slidenum">
               <a:rPr lang="en-US" smtClean="0"/>
               <a:pPr/>
-              <a:t>‹#›</a:t>
+              <a:t>‹nr.›</a:t>
             </a:fld>
             <a:endParaRPr lang="en-US" dirty="0"/>
           </a:p>
@@ -13412,7 +13412,7 @@
             <a:fld id="{4803DD7B-12C8-43B8-9F45-989336E79744}" type="slidenum">
               <a:rPr lang="en-US" smtClean="0"/>
               <a:pPr/>
-              <a:t>‹#›</a:t>
+              <a:t>‹nr.›</a:t>
             </a:fld>
             <a:endParaRPr lang="en-US" dirty="0"/>
           </a:p>
@@ -14067,7 +14067,7 @@
             <a:fld id="{4803DD7B-12C8-43B8-9F45-989336E79744}" type="slidenum">
               <a:rPr lang="en-US" smtClean="0"/>
               <a:pPr/>
-              <a:t>‹#›</a:t>
+              <a:t>‹nr.›</a:t>
             </a:fld>
             <a:endParaRPr lang="en-US" dirty="0"/>
           </a:p>
@@ -14823,7 +14823,7 @@
             <a:fld id="{4803DD7B-12C8-43B8-9F45-989336E79744}" type="slidenum">
               <a:rPr lang="en-US" smtClean="0"/>
               <a:pPr/>
-              <a:t>‹#›</a:t>
+              <a:t>‹nr.›</a:t>
             </a:fld>
             <a:endParaRPr lang="en-US" dirty="0"/>
           </a:p>
@@ -15912,7 +15912,7 @@
             <a:fld id="{4803DD7B-12C8-43B8-9F45-989336E79744}" type="slidenum">
               <a:rPr lang="en-US" smtClean="0"/>
               <a:pPr/>
-              <a:t>‹#›</a:t>
+              <a:t>‹nr.›</a:t>
             </a:fld>
             <a:endParaRPr lang="en-US" dirty="0"/>
           </a:p>
@@ -16221,7 +16221,7 @@
             <a:fld id="{4803DD7B-12C8-43B8-9F45-989336E79744}" type="slidenum">
               <a:rPr lang="en-US" smtClean="0"/>
               <a:pPr/>
-              <a:t>‹#›</a:t>
+              <a:t>‹nr.›</a:t>
             </a:fld>
             <a:endParaRPr lang="en-US" dirty="0"/>
           </a:p>
@@ -16408,7 +16408,7 @@
             <a:fld id="{4803DD7B-12C8-43B8-9F45-989336E79744}" type="slidenum">
               <a:rPr lang="en-US" smtClean="0"/>
               <a:pPr/>
-              <a:t>‹#›</a:t>
+              <a:t>‹nr.›</a:t>
             </a:fld>
             <a:endParaRPr lang="en-US" dirty="0"/>
           </a:p>
@@ -16731,7 +16731,7 @@
             <a:fld id="{4803DD7B-12C8-43B8-9F45-989336E79744}" type="slidenum">
               <a:rPr lang="en-US" smtClean="0"/>
               <a:pPr/>
-              <a:t>‹#›</a:t>
+              <a:t>‹nr.›</a:t>
             </a:fld>
             <a:endParaRPr lang="en-US" dirty="0"/>
           </a:p>
@@ -20762,7 +20762,7 @@
             <a:pPr lvl="1"/>
             <a:r>
               <a:rPr lang="en-US" sz="1600" dirty="0"/>
-              <a:t>...</a:t>
+              <a:t>Relation between latent variables and observed data.</a:t>
             </a:r>
           </a:p>
           <a:p>
